--- a/present/progress/presentation.pptx
+++ b/present/progress/presentation.pptx
@@ -149,10 +149,40 @@
   <pc:docChgLst>
     <pc:chgData name="Trung Nghia Nguyen" userId="caf0b1f78d203fdc" providerId="LiveId" clId="{FE6CED43-4EE7-4CE4-A8D3-FD101B77FED3}"/>
     <pc:docChg chg="undo custSel addSld delSld modSld sldOrd">
-      <pc:chgData name="Trung Nghia Nguyen" userId="caf0b1f78d203fdc" providerId="LiveId" clId="{FE6CED43-4EE7-4CE4-A8D3-FD101B77FED3}" dt="2023-04-30T06:28:19.899" v="2977" actId="20577"/>
+      <pc:chgData name="Trung Nghia Nguyen" userId="caf0b1f78d203fdc" providerId="LiveId" clId="{FE6CED43-4EE7-4CE4-A8D3-FD101B77FED3}" dt="2023-05-03T04:32:38.948" v="3056" actId="20577"/>
       <pc:docMkLst>
         <pc:docMk/>
       </pc:docMkLst>
+      <pc:sldChg chg="modSp mod">
+        <pc:chgData name="Trung Nghia Nguyen" userId="caf0b1f78d203fdc" providerId="LiveId" clId="{FE6CED43-4EE7-4CE4-A8D3-FD101B77FED3}" dt="2023-05-03T04:29:37.536" v="2978" actId="20577"/>
+        <pc:sldMkLst>
+          <pc:docMk/>
+          <pc:sldMk cId="0" sldId="258"/>
+        </pc:sldMkLst>
+        <pc:graphicFrameChg chg="modGraphic">
+          <ac:chgData name="Trung Nghia Nguyen" userId="caf0b1f78d203fdc" providerId="LiveId" clId="{FE6CED43-4EE7-4CE4-A8D3-FD101B77FED3}" dt="2023-05-03T04:29:37.536" v="2978" actId="20577"/>
+          <ac:graphicFrameMkLst>
+            <pc:docMk/>
+            <pc:sldMk cId="0" sldId="258"/>
+            <ac:graphicFrameMk id="16" creationId="{00000000-0000-0000-0000-000000000000}"/>
+          </ac:graphicFrameMkLst>
+        </pc:graphicFrameChg>
+      </pc:sldChg>
+      <pc:sldChg chg="modSp mod">
+        <pc:chgData name="Trung Nghia Nguyen" userId="caf0b1f78d203fdc" providerId="LiveId" clId="{FE6CED43-4EE7-4CE4-A8D3-FD101B77FED3}" dt="2023-05-03T04:31:05.156" v="3017" actId="20577"/>
+        <pc:sldMkLst>
+          <pc:docMk/>
+          <pc:sldMk cId="0" sldId="272"/>
+        </pc:sldMkLst>
+        <pc:spChg chg="mod">
+          <ac:chgData name="Trung Nghia Nguyen" userId="caf0b1f78d203fdc" providerId="LiveId" clId="{FE6CED43-4EE7-4CE4-A8D3-FD101B77FED3}" dt="2023-05-03T04:31:05.156" v="3017" actId="20577"/>
+          <ac:spMkLst>
+            <pc:docMk/>
+            <pc:sldMk cId="0" sldId="272"/>
+            <ac:spMk id="4" creationId="{00000000-0000-0000-0000-000000000000}"/>
+          </ac:spMkLst>
+        </pc:spChg>
+      </pc:sldChg>
       <pc:sldChg chg="addSp delSp modSp mod">
         <pc:chgData name="Trung Nghia Nguyen" userId="caf0b1f78d203fdc" providerId="LiveId" clId="{FE6CED43-4EE7-4CE4-A8D3-FD101B77FED3}" dt="2023-04-30T04:23:47.085" v="618"/>
         <pc:sldMkLst>
@@ -201,11 +231,19 @@
         </pc:picChg>
       </pc:sldChg>
       <pc:sldChg chg="addSp delSp modSp mod">
-        <pc:chgData name="Trung Nghia Nguyen" userId="caf0b1f78d203fdc" providerId="LiveId" clId="{FE6CED43-4EE7-4CE4-A8D3-FD101B77FED3}" dt="2023-04-30T04:30:19.136" v="946" actId="1076"/>
+        <pc:chgData name="Trung Nghia Nguyen" userId="caf0b1f78d203fdc" providerId="LiveId" clId="{FE6CED43-4EE7-4CE4-A8D3-FD101B77FED3}" dt="2023-05-03T04:30:03.716" v="2982" actId="20577"/>
         <pc:sldMkLst>
           <pc:docMk/>
           <pc:sldMk cId="0" sldId="274"/>
         </pc:sldMkLst>
+        <pc:spChg chg="mod">
+          <ac:chgData name="Trung Nghia Nguyen" userId="caf0b1f78d203fdc" providerId="LiveId" clId="{FE6CED43-4EE7-4CE4-A8D3-FD101B77FED3}" dt="2023-05-03T04:30:03.716" v="2982" actId="20577"/>
+          <ac:spMkLst>
+            <pc:docMk/>
+            <pc:sldMk cId="0" sldId="274"/>
+            <ac:spMk id="4" creationId="{00000000-0000-0000-0000-000000000000}"/>
+          </ac:spMkLst>
+        </pc:spChg>
         <pc:spChg chg="mod">
           <ac:chgData name="Trung Nghia Nguyen" userId="caf0b1f78d203fdc" providerId="LiveId" clId="{FE6CED43-4EE7-4CE4-A8D3-FD101B77FED3}" dt="2023-04-30T04:30:19.136" v="946" actId="1076"/>
           <ac:spMkLst>
@@ -325,7 +363,7 @@
         </pc:sldMkLst>
       </pc:sldChg>
       <pc:sldChg chg="addSp modSp mod">
-        <pc:chgData name="Trung Nghia Nguyen" userId="caf0b1f78d203fdc" providerId="LiveId" clId="{FE6CED43-4EE7-4CE4-A8D3-FD101B77FED3}" dt="2023-04-30T06:19:43.424" v="2853" actId="20577"/>
+        <pc:chgData name="Trung Nghia Nguyen" userId="caf0b1f78d203fdc" providerId="LiveId" clId="{FE6CED43-4EE7-4CE4-A8D3-FD101B77FED3}" dt="2023-05-03T04:30:50.596" v="3008" actId="20577"/>
         <pc:sldMkLst>
           <pc:docMk/>
           <pc:sldMk cId="0" sldId="290"/>
@@ -354,6 +392,14 @@
             <ac:spMk id="5" creationId="{00000000-0000-0000-0000-000000000000}"/>
           </ac:spMkLst>
         </pc:spChg>
+        <pc:spChg chg="mod">
+          <ac:chgData name="Trung Nghia Nguyen" userId="caf0b1f78d203fdc" providerId="LiveId" clId="{FE6CED43-4EE7-4CE4-A8D3-FD101B77FED3}" dt="2023-05-03T04:30:50.596" v="3008" actId="20577"/>
+          <ac:spMkLst>
+            <pc:docMk/>
+            <pc:sldMk cId="0" sldId="290"/>
+            <ac:spMk id="6" creationId="{00000000-0000-0000-0000-000000000000}"/>
+          </ac:spMkLst>
+        </pc:spChg>
         <pc:spChg chg="add mod">
           <ac:chgData name="Trung Nghia Nguyen" userId="caf0b1f78d203fdc" providerId="LiveId" clId="{FE6CED43-4EE7-4CE4-A8D3-FD101B77FED3}" dt="2023-04-30T06:19:43.424" v="2853" actId="20577"/>
           <ac:spMkLst>
@@ -372,13 +418,28 @@
         </pc:spChg>
       </pc:sldChg>
       <pc:sldChg chg="modSp mod">
-        <pc:chgData name="Trung Nghia Nguyen" userId="caf0b1f78d203fdc" providerId="LiveId" clId="{FE6CED43-4EE7-4CE4-A8D3-FD101B77FED3}" dt="2023-04-30T06:28:19.899" v="2977" actId="20577"/>
+        <pc:chgData name="Trung Nghia Nguyen" userId="caf0b1f78d203fdc" providerId="LiveId" clId="{FE6CED43-4EE7-4CE4-A8D3-FD101B77FED3}" dt="2023-05-03T04:30:59.438" v="3014" actId="20577"/>
+        <pc:sldMkLst>
+          <pc:docMk/>
+          <pc:sldMk cId="0" sldId="291"/>
+        </pc:sldMkLst>
+        <pc:spChg chg="mod">
+          <ac:chgData name="Trung Nghia Nguyen" userId="caf0b1f78d203fdc" providerId="LiveId" clId="{FE6CED43-4EE7-4CE4-A8D3-FD101B77FED3}" dt="2023-05-03T04:30:59.438" v="3014" actId="20577"/>
+          <ac:spMkLst>
+            <pc:docMk/>
+            <pc:sldMk cId="0" sldId="291"/>
+            <ac:spMk id="6" creationId="{00000000-0000-0000-0000-000000000000}"/>
+          </ac:spMkLst>
+        </pc:spChg>
+      </pc:sldChg>
+      <pc:sldChg chg="modSp mod">
+        <pc:chgData name="Trung Nghia Nguyen" userId="caf0b1f78d203fdc" providerId="LiveId" clId="{FE6CED43-4EE7-4CE4-A8D3-FD101B77FED3}" dt="2023-05-03T04:32:38.948" v="3056" actId="20577"/>
         <pc:sldMkLst>
           <pc:docMk/>
           <pc:sldMk cId="0" sldId="293"/>
         </pc:sldMkLst>
         <pc:spChg chg="mod">
-          <ac:chgData name="Trung Nghia Nguyen" userId="caf0b1f78d203fdc" providerId="LiveId" clId="{FE6CED43-4EE7-4CE4-A8D3-FD101B77FED3}" dt="2023-04-30T06:28:19.899" v="2977" actId="20577"/>
+          <ac:chgData name="Trung Nghia Nguyen" userId="caf0b1f78d203fdc" providerId="LiveId" clId="{FE6CED43-4EE7-4CE4-A8D3-FD101B77FED3}" dt="2023-05-03T04:32:38.948" v="3056" actId="20577"/>
           <ac:spMkLst>
             <pc:docMk/>
             <pc:sldMk cId="0" sldId="293"/>
@@ -402,7 +463,7 @@
         </pc:spChg>
       </pc:sldChg>
       <pc:sldChg chg="modSp mod ord">
-        <pc:chgData name="Trung Nghia Nguyen" userId="caf0b1f78d203fdc" providerId="LiveId" clId="{FE6CED43-4EE7-4CE4-A8D3-FD101B77FED3}" dt="2023-04-30T06:04:13.408" v="1632" actId="1076"/>
+        <pc:chgData name="Trung Nghia Nguyen" userId="caf0b1f78d203fdc" providerId="LiveId" clId="{FE6CED43-4EE7-4CE4-A8D3-FD101B77FED3}" dt="2023-05-03T04:29:59.754" v="2980" actId="20577"/>
         <pc:sldMkLst>
           <pc:docMk/>
           <pc:sldMk cId="0" sldId="295"/>
@@ -413,6 +474,14 @@
             <pc:docMk/>
             <pc:sldMk cId="0" sldId="295"/>
             <ac:spMk id="3" creationId="{00000000-0000-0000-0000-000000000000}"/>
+          </ac:spMkLst>
+        </pc:spChg>
+        <pc:spChg chg="mod">
+          <ac:chgData name="Trung Nghia Nguyen" userId="caf0b1f78d203fdc" providerId="LiveId" clId="{FE6CED43-4EE7-4CE4-A8D3-FD101B77FED3}" dt="2023-05-03T04:29:59.754" v="2980" actId="20577"/>
+          <ac:spMkLst>
+            <pc:docMk/>
+            <pc:sldMk cId="0" sldId="295"/>
+            <ac:spMk id="4" creationId="{00000000-0000-0000-0000-000000000000}"/>
           </ac:spMkLst>
         </pc:spChg>
       </pc:sldChg>
@@ -432,11 +501,19 @@
         </pc:spChg>
       </pc:sldChg>
       <pc:sldChg chg="modSp add del mod replId">
-        <pc:chgData name="Trung Nghia Nguyen" userId="caf0b1f78d203fdc" providerId="LiveId" clId="{FE6CED43-4EE7-4CE4-A8D3-FD101B77FED3}" dt="2023-04-30T06:04:22.304" v="1644" actId="20577"/>
+        <pc:chgData name="Trung Nghia Nguyen" userId="caf0b1f78d203fdc" providerId="LiveId" clId="{FE6CED43-4EE7-4CE4-A8D3-FD101B77FED3}" dt="2023-05-03T04:30:11.137" v="2984" actId="20577"/>
         <pc:sldMkLst>
           <pc:docMk/>
           <pc:sldMk cId="4125454383" sldId="297"/>
         </pc:sldMkLst>
+        <pc:spChg chg="mod">
+          <ac:chgData name="Trung Nghia Nguyen" userId="caf0b1f78d203fdc" providerId="LiveId" clId="{FE6CED43-4EE7-4CE4-A8D3-FD101B77FED3}" dt="2023-05-03T04:30:11.137" v="2984" actId="20577"/>
+          <ac:spMkLst>
+            <pc:docMk/>
+            <pc:sldMk cId="4125454383" sldId="297"/>
+            <ac:spMk id="4" creationId="{00000000-0000-0000-0000-000000000000}"/>
+          </ac:spMkLst>
+        </pc:spChg>
         <pc:spChg chg="mod">
           <ac:chgData name="Trung Nghia Nguyen" userId="caf0b1f78d203fdc" providerId="LiveId" clId="{FE6CED43-4EE7-4CE4-A8D3-FD101B77FED3}" dt="2023-04-30T04:39:23.422" v="1490" actId="1076"/>
           <ac:spMkLst>
@@ -463,7 +540,7 @@
         </pc:graphicFrameChg>
       </pc:sldChg>
       <pc:sldChg chg="modSp add mod">
-        <pc:chgData name="Trung Nghia Nguyen" userId="caf0b1f78d203fdc" providerId="LiveId" clId="{FE6CED43-4EE7-4CE4-A8D3-FD101B77FED3}" dt="2023-04-30T05:59:46.424" v="1503" actId="1076"/>
+        <pc:chgData name="Trung Nghia Nguyen" userId="caf0b1f78d203fdc" providerId="LiveId" clId="{FE6CED43-4EE7-4CE4-A8D3-FD101B77FED3}" dt="2023-05-03T04:30:15.019" v="2987" actId="20577"/>
         <pc:sldMkLst>
           <pc:docMk/>
           <pc:sldMk cId="3058992276" sldId="298"/>
@@ -476,13 +553,29 @@
             <ac:spMk id="3" creationId="{00000000-0000-0000-0000-000000000000}"/>
           </ac:spMkLst>
         </pc:spChg>
+        <pc:spChg chg="mod">
+          <ac:chgData name="Trung Nghia Nguyen" userId="caf0b1f78d203fdc" providerId="LiveId" clId="{FE6CED43-4EE7-4CE4-A8D3-FD101B77FED3}" dt="2023-05-03T04:30:15.019" v="2987" actId="20577"/>
+          <ac:spMkLst>
+            <pc:docMk/>
+            <pc:sldMk cId="3058992276" sldId="298"/>
+            <ac:spMk id="4" creationId="{00000000-0000-0000-0000-000000000000}"/>
+          </ac:spMkLst>
+        </pc:spChg>
       </pc:sldChg>
       <pc:sldChg chg="addSp delSp modSp add mod replId">
-        <pc:chgData name="Trung Nghia Nguyen" userId="caf0b1f78d203fdc" providerId="LiveId" clId="{FE6CED43-4EE7-4CE4-A8D3-FD101B77FED3}" dt="2023-04-30T06:04:33.980" v="1653" actId="20577"/>
+        <pc:chgData name="Trung Nghia Nguyen" userId="caf0b1f78d203fdc" providerId="LiveId" clId="{FE6CED43-4EE7-4CE4-A8D3-FD101B77FED3}" dt="2023-05-03T04:30:19.050" v="2990" actId="20577"/>
         <pc:sldMkLst>
           <pc:docMk/>
           <pc:sldMk cId="882464371" sldId="299"/>
         </pc:sldMkLst>
+        <pc:spChg chg="mod">
+          <ac:chgData name="Trung Nghia Nguyen" userId="caf0b1f78d203fdc" providerId="LiveId" clId="{FE6CED43-4EE7-4CE4-A8D3-FD101B77FED3}" dt="2023-05-03T04:30:19.050" v="2990" actId="20577"/>
+          <ac:spMkLst>
+            <pc:docMk/>
+            <pc:sldMk cId="882464371" sldId="299"/>
+            <ac:spMk id="4" creationId="{00000000-0000-0000-0000-000000000000}"/>
+          </ac:spMkLst>
+        </pc:spChg>
         <pc:spChg chg="mod">
           <ac:chgData name="Trung Nghia Nguyen" userId="caf0b1f78d203fdc" providerId="LiveId" clId="{FE6CED43-4EE7-4CE4-A8D3-FD101B77FED3}" dt="2023-04-30T06:01:41.336" v="1608" actId="1076"/>
           <ac:spMkLst>
@@ -517,7 +610,7 @@
         </pc:picChg>
       </pc:sldChg>
       <pc:sldChg chg="modSp add mod">
-        <pc:chgData name="Trung Nghia Nguyen" userId="caf0b1f78d203fdc" providerId="LiveId" clId="{FE6CED43-4EE7-4CE4-A8D3-FD101B77FED3}" dt="2023-04-30T06:03:43.999" v="1628" actId="1076"/>
+        <pc:chgData name="Trung Nghia Nguyen" userId="caf0b1f78d203fdc" providerId="LiveId" clId="{FE6CED43-4EE7-4CE4-A8D3-FD101B77FED3}" dt="2023-05-03T04:30:22.947" v="2993" actId="20577"/>
         <pc:sldMkLst>
           <pc:docMk/>
           <pc:sldMk cId="3993352905" sldId="300"/>
@@ -530,13 +623,29 @@
             <ac:spMk id="3" creationId="{00000000-0000-0000-0000-000000000000}"/>
           </ac:spMkLst>
         </pc:spChg>
+        <pc:spChg chg="mod">
+          <ac:chgData name="Trung Nghia Nguyen" userId="caf0b1f78d203fdc" providerId="LiveId" clId="{FE6CED43-4EE7-4CE4-A8D3-FD101B77FED3}" dt="2023-05-03T04:30:22.947" v="2993" actId="20577"/>
+          <ac:spMkLst>
+            <pc:docMk/>
+            <pc:sldMk cId="3993352905" sldId="300"/>
+            <ac:spMk id="4" creationId="{00000000-0000-0000-0000-000000000000}"/>
+          </ac:spMkLst>
+        </pc:spChg>
       </pc:sldChg>
       <pc:sldChg chg="addSp delSp modSp add mod replId">
-        <pc:chgData name="Trung Nghia Nguyen" userId="caf0b1f78d203fdc" providerId="LiveId" clId="{FE6CED43-4EE7-4CE4-A8D3-FD101B77FED3}" dt="2023-04-30T06:11:20.788" v="1857" actId="20577"/>
+        <pc:chgData name="Trung Nghia Nguyen" userId="caf0b1f78d203fdc" providerId="LiveId" clId="{FE6CED43-4EE7-4CE4-A8D3-FD101B77FED3}" dt="2023-05-03T04:30:27.842" v="2996" actId="20577"/>
         <pc:sldMkLst>
           <pc:docMk/>
           <pc:sldMk cId="2166730068" sldId="301"/>
         </pc:sldMkLst>
+        <pc:spChg chg="mod">
+          <ac:chgData name="Trung Nghia Nguyen" userId="caf0b1f78d203fdc" providerId="LiveId" clId="{FE6CED43-4EE7-4CE4-A8D3-FD101B77FED3}" dt="2023-05-03T04:30:27.842" v="2996" actId="20577"/>
+          <ac:spMkLst>
+            <pc:docMk/>
+            <pc:sldMk cId="2166730068" sldId="301"/>
+            <ac:spMk id="4" creationId="{00000000-0000-0000-0000-000000000000}"/>
+          </ac:spMkLst>
+        </pc:spChg>
         <pc:spChg chg="del">
           <ac:chgData name="Trung Nghia Nguyen" userId="caf0b1f78d203fdc" providerId="LiveId" clId="{FE6CED43-4EE7-4CE4-A8D3-FD101B77FED3}" dt="2023-04-30T06:04:54.359" v="1660" actId="478"/>
           <ac:spMkLst>
@@ -579,7 +688,7 @@
         </pc:picChg>
       </pc:sldChg>
       <pc:sldChg chg="modSp add mod">
-        <pc:chgData name="Trung Nghia Nguyen" userId="caf0b1f78d203fdc" providerId="LiveId" clId="{FE6CED43-4EE7-4CE4-A8D3-FD101B77FED3}" dt="2023-04-30T06:10:16.845" v="1822" actId="1076"/>
+        <pc:chgData name="Trung Nghia Nguyen" userId="caf0b1f78d203fdc" providerId="LiveId" clId="{FE6CED43-4EE7-4CE4-A8D3-FD101B77FED3}" dt="2023-05-03T04:30:32.208" v="2999" actId="20577"/>
         <pc:sldMkLst>
           <pc:docMk/>
           <pc:sldMk cId="1969797688" sldId="302"/>
@@ -592,13 +701,29 @@
             <ac:spMk id="3" creationId="{00000000-0000-0000-0000-000000000000}"/>
           </ac:spMkLst>
         </pc:spChg>
+        <pc:spChg chg="mod">
+          <ac:chgData name="Trung Nghia Nguyen" userId="caf0b1f78d203fdc" providerId="LiveId" clId="{FE6CED43-4EE7-4CE4-A8D3-FD101B77FED3}" dt="2023-05-03T04:30:32.208" v="2999" actId="20577"/>
+          <ac:spMkLst>
+            <pc:docMk/>
+            <pc:sldMk cId="1969797688" sldId="302"/>
+            <ac:spMk id="4" creationId="{00000000-0000-0000-0000-000000000000}"/>
+          </ac:spMkLst>
+        </pc:spChg>
       </pc:sldChg>
       <pc:sldChg chg="addSp delSp modSp add mod replId">
-        <pc:chgData name="Trung Nghia Nguyen" userId="caf0b1f78d203fdc" providerId="LiveId" clId="{FE6CED43-4EE7-4CE4-A8D3-FD101B77FED3}" dt="2023-04-30T06:11:57.205" v="1904" actId="114"/>
+        <pc:chgData name="Trung Nghia Nguyen" userId="caf0b1f78d203fdc" providerId="LiveId" clId="{FE6CED43-4EE7-4CE4-A8D3-FD101B77FED3}" dt="2023-05-03T04:30:35.868" v="3002" actId="20577"/>
         <pc:sldMkLst>
           <pc:docMk/>
           <pc:sldMk cId="1499310792" sldId="303"/>
         </pc:sldMkLst>
+        <pc:spChg chg="mod">
+          <ac:chgData name="Trung Nghia Nguyen" userId="caf0b1f78d203fdc" providerId="LiveId" clId="{FE6CED43-4EE7-4CE4-A8D3-FD101B77FED3}" dt="2023-05-03T04:30:35.868" v="3002" actId="20577"/>
+          <ac:spMkLst>
+            <pc:docMk/>
+            <pc:sldMk cId="1499310792" sldId="303"/>
+            <ac:spMk id="4" creationId="{00000000-0000-0000-0000-000000000000}"/>
+          </ac:spMkLst>
+        </pc:spChg>
         <pc:spChg chg="add mod">
           <ac:chgData name="Trung Nghia Nguyen" userId="caf0b1f78d203fdc" providerId="LiveId" clId="{FE6CED43-4EE7-4CE4-A8D3-FD101B77FED3}" dt="2023-04-30T06:11:39.299" v="1885" actId="1076"/>
           <ac:spMkLst>
@@ -641,11 +766,19 @@
         </pc:picChg>
       </pc:sldChg>
       <pc:sldChg chg="addSp delSp modSp add mod ord">
-        <pc:chgData name="Trung Nghia Nguyen" userId="caf0b1f78d203fdc" providerId="LiveId" clId="{FE6CED43-4EE7-4CE4-A8D3-FD101B77FED3}" dt="2023-04-30T06:16:04.313" v="2005" actId="14100"/>
+        <pc:chgData name="Trung Nghia Nguyen" userId="caf0b1f78d203fdc" providerId="LiveId" clId="{FE6CED43-4EE7-4CE4-A8D3-FD101B77FED3}" dt="2023-05-03T04:30:44.550" v="3006" actId="20577"/>
         <pc:sldMkLst>
           <pc:docMk/>
           <pc:sldMk cId="730234099" sldId="304"/>
         </pc:sldMkLst>
+        <pc:spChg chg="mod">
+          <ac:chgData name="Trung Nghia Nguyen" userId="caf0b1f78d203fdc" providerId="LiveId" clId="{FE6CED43-4EE7-4CE4-A8D3-FD101B77FED3}" dt="2023-05-03T04:30:44.550" v="3006" actId="20577"/>
+          <ac:spMkLst>
+            <pc:docMk/>
+            <pc:sldMk cId="730234099" sldId="304"/>
+            <ac:spMk id="4" creationId="{00000000-0000-0000-0000-000000000000}"/>
+          </ac:spMkLst>
+        </pc:spChg>
         <pc:spChg chg="mod">
           <ac:chgData name="Trung Nghia Nguyen" userId="caf0b1f78d203fdc" providerId="LiveId" clId="{FE6CED43-4EE7-4CE4-A8D3-FD101B77FED3}" dt="2023-04-30T06:15:49.629" v="2001" actId="14100"/>
           <ac:spMkLst>
@@ -688,11 +821,19 @@
         </pc:picChg>
       </pc:sldChg>
       <pc:sldChg chg="addSp modSp add mod ord">
-        <pc:chgData name="Trung Nghia Nguyen" userId="caf0b1f78d203fdc" providerId="LiveId" clId="{FE6CED43-4EE7-4CE4-A8D3-FD101B77FED3}" dt="2023-04-30T06:13:41.407" v="1941" actId="20577"/>
+        <pc:chgData name="Trung Nghia Nguyen" userId="caf0b1f78d203fdc" providerId="LiveId" clId="{FE6CED43-4EE7-4CE4-A8D3-FD101B77FED3}" dt="2023-05-03T04:30:39.817" v="3003" actId="20577"/>
         <pc:sldMkLst>
           <pc:docMk/>
           <pc:sldMk cId="2685088792" sldId="305"/>
         </pc:sldMkLst>
+        <pc:spChg chg="mod">
+          <ac:chgData name="Trung Nghia Nguyen" userId="caf0b1f78d203fdc" providerId="LiveId" clId="{FE6CED43-4EE7-4CE4-A8D3-FD101B77FED3}" dt="2023-05-03T04:30:39.817" v="3003" actId="20577"/>
+          <ac:spMkLst>
+            <pc:docMk/>
+            <pc:sldMk cId="2685088792" sldId="305"/>
+            <ac:spMk id="4" creationId="{00000000-0000-0000-0000-000000000000}"/>
+          </ac:spMkLst>
+        </pc:spChg>
         <pc:spChg chg="mod">
           <ac:chgData name="Trung Nghia Nguyen" userId="caf0b1f78d203fdc" providerId="LiveId" clId="{FE6CED43-4EE7-4CE4-A8D3-FD101B77FED3}" dt="2023-04-30T06:13:22.469" v="1933" actId="1076"/>
           <ac:spMkLst>
@@ -726,12 +867,20 @@
           </ac:picMkLst>
         </pc:picChg>
       </pc:sldChg>
-      <pc:sldChg chg="add">
-        <pc:chgData name="Trung Nghia Nguyen" userId="caf0b1f78d203fdc" providerId="LiveId" clId="{FE6CED43-4EE7-4CE4-A8D3-FD101B77FED3}" dt="2023-04-30T06:16:33.079" v="2006" actId="2890"/>
+      <pc:sldChg chg="modSp add mod">
+        <pc:chgData name="Trung Nghia Nguyen" userId="caf0b1f78d203fdc" providerId="LiveId" clId="{FE6CED43-4EE7-4CE4-A8D3-FD101B77FED3}" dt="2023-05-03T04:30:55.965" v="3012" actId="20577"/>
         <pc:sldMkLst>
           <pc:docMk/>
           <pc:sldMk cId="3653107866" sldId="306"/>
         </pc:sldMkLst>
+        <pc:spChg chg="mod">
+          <ac:chgData name="Trung Nghia Nguyen" userId="caf0b1f78d203fdc" providerId="LiveId" clId="{FE6CED43-4EE7-4CE4-A8D3-FD101B77FED3}" dt="2023-05-03T04:30:55.965" v="3012" actId="20577"/>
+          <ac:spMkLst>
+            <pc:docMk/>
+            <pc:sldMk cId="3653107866" sldId="306"/>
+            <ac:spMk id="6" creationId="{00000000-0000-0000-0000-000000000000}"/>
+          </ac:spMkLst>
+        </pc:spChg>
       </pc:sldChg>
     </pc:docChg>
   </pc:docChgLst>
@@ -15705,7 +15854,7 @@
           <a:p>
             <a:fld id="{51F95020-72AA-4787-B4DB-4E5B3A15E30F}" type="datetimeFigureOut">
               <a:rPr lang="en-US" smtClean="0"/>
-              <a:t>30/04/2023</a:t>
+              <a:t>03/05/2023</a:t>
             </a:fld>
             <a:endParaRPr lang="en-US"/>
           </a:p>
@@ -16098,7 +16247,7 @@
           <a:p>
             <a:fld id="{2AB4A3C8-EB3A-4B87-95B8-3265ADB47806}" type="datetimeFigureOut">
               <a:rPr lang="en-US" smtClean="0"/>
-              <a:t>30/04/2023</a:t>
+              <a:t>03/05/2023</a:t>
             </a:fld>
             <a:endParaRPr lang="en-US"/>
           </a:p>
@@ -16263,7 +16412,7 @@
           <a:p>
             <a:fld id="{2AB4A3C8-EB3A-4B87-95B8-3265ADB47806}" type="datetimeFigureOut">
               <a:rPr lang="en-US" smtClean="0"/>
-              <a:t>30/04/2023</a:t>
+              <a:t>03/05/2023</a:t>
             </a:fld>
             <a:endParaRPr lang="en-US"/>
           </a:p>
@@ -16438,7 +16587,7 @@
           <a:p>
             <a:fld id="{2AB4A3C8-EB3A-4B87-95B8-3265ADB47806}" type="datetimeFigureOut">
               <a:rPr lang="en-US" smtClean="0"/>
-              <a:t>30/04/2023</a:t>
+              <a:t>03/05/2023</a:t>
             </a:fld>
             <a:endParaRPr lang="en-US"/>
           </a:p>
@@ -16603,7 +16752,7 @@
           <a:p>
             <a:fld id="{2AB4A3C8-EB3A-4B87-95B8-3265ADB47806}" type="datetimeFigureOut">
               <a:rPr lang="en-US" smtClean="0"/>
-              <a:t>30/04/2023</a:t>
+              <a:t>03/05/2023</a:t>
             </a:fld>
             <a:endParaRPr lang="en-US"/>
           </a:p>
@@ -16842,7 +16991,7 @@
           <a:p>
             <a:fld id="{2AB4A3C8-EB3A-4B87-95B8-3265ADB47806}" type="datetimeFigureOut">
               <a:rPr lang="en-US" smtClean="0"/>
-              <a:t>30/04/2023</a:t>
+              <a:t>03/05/2023</a:t>
             </a:fld>
             <a:endParaRPr lang="en-US"/>
           </a:p>
@@ -17069,7 +17218,7 @@
           <a:p>
             <a:fld id="{2AB4A3C8-EB3A-4B87-95B8-3265ADB47806}" type="datetimeFigureOut">
               <a:rPr lang="en-US" smtClean="0"/>
-              <a:t>30/04/2023</a:t>
+              <a:t>03/05/2023</a:t>
             </a:fld>
             <a:endParaRPr lang="en-US"/>
           </a:p>
@@ -17431,7 +17580,7 @@
           <a:p>
             <a:fld id="{2AB4A3C8-EB3A-4B87-95B8-3265ADB47806}" type="datetimeFigureOut">
               <a:rPr lang="en-US" smtClean="0"/>
-              <a:t>30/04/2023</a:t>
+              <a:t>03/05/2023</a:t>
             </a:fld>
             <a:endParaRPr lang="en-US"/>
           </a:p>
@@ -17544,7 +17693,7 @@
           <a:p>
             <a:fld id="{2AB4A3C8-EB3A-4B87-95B8-3265ADB47806}" type="datetimeFigureOut">
               <a:rPr lang="en-US" smtClean="0"/>
-              <a:t>30/04/2023</a:t>
+              <a:t>03/05/2023</a:t>
             </a:fld>
             <a:endParaRPr lang="en-US"/>
           </a:p>
@@ -17634,7 +17783,7 @@
           <a:p>
             <a:fld id="{2AB4A3C8-EB3A-4B87-95B8-3265ADB47806}" type="datetimeFigureOut">
               <a:rPr lang="en-US" smtClean="0"/>
-              <a:t>30/04/2023</a:t>
+              <a:t>03/05/2023</a:t>
             </a:fld>
             <a:endParaRPr lang="en-US"/>
           </a:p>
@@ -17906,7 +18055,7 @@
           <a:p>
             <a:fld id="{2AB4A3C8-EB3A-4B87-95B8-3265ADB47806}" type="datetimeFigureOut">
               <a:rPr lang="en-US" smtClean="0"/>
-              <a:t>30/04/2023</a:t>
+              <a:t>03/05/2023</a:t>
             </a:fld>
             <a:endParaRPr lang="en-US"/>
           </a:p>
@@ -18157,7 +18306,7 @@
           <a:p>
             <a:fld id="{2AB4A3C8-EB3A-4B87-95B8-3265ADB47806}" type="datetimeFigureOut">
               <a:rPr lang="en-US" smtClean="0"/>
-              <a:t>30/04/2023</a:t>
+              <a:t>03/05/2023</a:t>
             </a:fld>
             <a:endParaRPr lang="en-US"/>
           </a:p>
@@ -18365,7 +18514,7 @@
           <a:p>
             <a:fld id="{2AB4A3C8-EB3A-4B87-95B8-3265ADB47806}" type="datetimeFigureOut">
               <a:rPr lang="en-US" smtClean="0"/>
-              <a:t>30/04/2023</a:t>
+              <a:t>03/05/2023</a:t>
             </a:fld>
             <a:endParaRPr lang="en-US"/>
           </a:p>
@@ -19932,7 +20081,7 @@
           <a:p>
             <a:r>
               <a:rPr lang="en-US"/>
-              <a:t>Trang 6</a:t>
+              <a:t>Trang 9</a:t>
             </a:r>
           </a:p>
         </p:txBody>
@@ -20149,7 +20298,7 @@
           <a:p>
             <a:r>
               <a:rPr lang="en-US"/>
-              <a:t>Trang 8</a:t>
+              <a:t>Trang 10</a:t>
             </a:r>
           </a:p>
         </p:txBody>
@@ -20371,7 +20520,7 @@
           <a:p>
             <a:r>
               <a:rPr lang="en-US"/>
-              <a:t>Trang 6</a:t>
+              <a:t>Trang 11</a:t>
             </a:r>
           </a:p>
         </p:txBody>
@@ -20590,7 +20739,7 @@
           <a:p>
             <a:r>
               <a:rPr lang="en-US"/>
-              <a:t>Trang 8</a:t>
+              <a:t>Trang 12</a:t>
             </a:r>
           </a:p>
         </p:txBody>
@@ -20812,7 +20961,7 @@
           <a:p>
             <a:r>
               <a:rPr lang="en-US"/>
-              <a:t>Trang 6</a:t>
+              <a:t>Trang 13</a:t>
             </a:r>
           </a:p>
         </p:txBody>
@@ -21035,7 +21184,7 @@
           <a:p>
             <a:r>
               <a:rPr lang="en-US"/>
-              <a:t>Trang 8</a:t>
+              <a:t>Trang 14</a:t>
             </a:r>
           </a:p>
         </p:txBody>
@@ -21257,7 +21406,7 @@
           <a:p>
             <a:r>
               <a:rPr lang="en-US"/>
-              <a:t>Trang 6</a:t>
+              <a:t>Trang 15</a:t>
             </a:r>
           </a:p>
         </p:txBody>
@@ -21547,7 +21696,7 @@
           <a:p>
             <a:r>
               <a:rPr lang="en-US"/>
-              <a:t>Trang 6</a:t>
+              <a:t>Trang 16</a:t>
             </a:r>
           </a:p>
         </p:txBody>
@@ -21867,7 +22016,7 @@
           <a:p>
             <a:r>
               <a:rPr lang="en-US"/>
-              <a:t>Trang 6</a:t>
+              <a:t>Trang 17</a:t>
             </a:r>
           </a:p>
         </p:txBody>
@@ -22185,7 +22334,7 @@
           <a:p>
             <a:r>
               <a:rPr lang="en-US"/>
-              <a:t>Trang 21</a:t>
+              <a:t>Trang 18</a:t>
             </a:r>
           </a:p>
         </p:txBody>
@@ -23379,7 +23528,7 @@
           <a:p>
             <a:r>
               <a:rPr lang="en-US"/>
-              <a:t>Trang 21</a:t>
+              <a:t>Trang 19</a:t>
             </a:r>
           </a:p>
         </p:txBody>
@@ -23713,7 +23862,7 @@
           <a:p>
             <a:r>
               <a:rPr lang="en-US"/>
-              <a:t>Trang 22</a:t>
+              <a:t>Trang 20</a:t>
             </a:r>
           </a:p>
         </p:txBody>
@@ -24031,14 +24180,7 @@
               <a:rPr lang="en-US" b="1" i="1"/>
               <a:t>AI © 2023 PBL </a:t>
             </a:r>
-            <a:r>
-              <a:rPr lang="en-US" b="1"/>
-              <a:t>		</a:t>
-            </a:r>
-            <a:r>
-              <a:rPr lang="en-US"/>
-              <a:t>Trang 23</a:t>
-            </a:r>
+            <a:endParaRPr lang="en-US"/>
           </a:p>
         </p:txBody>
       </p:sp>
@@ -24457,7 +24599,13 @@
           <p:cNvGraphicFramePr>
             <a:graphicFrameLocks noGrp="1"/>
           </p:cNvGraphicFramePr>
-          <p:nvPr/>
+          <p:nvPr>
+            <p:extLst>
+              <p:ext uri="{D42A27DB-BD31-4B8C-83A1-F6EECF244321}">
+                <p14:modId xmlns:p14="http://schemas.microsoft.com/office/powerpoint/2010/main" val="3048683611"/>
+              </p:ext>
+            </p:extLst>
+          </p:nvPr>
         </p:nvGraphicFramePr>
         <p:xfrm>
           <a:off x="1000124" y="1440718"/>
@@ -24868,7 +25016,7 @@
                           <a:latin typeface="Times New Roman" panose="02020603050405020304" pitchFamily="18" charset="0"/>
                           <a:cs typeface="Times New Roman" panose="02020603050405020304" pitchFamily="18" charset="0"/>
                         </a:rPr>
-                        <a:t>90</a:t>
+                        <a:t>0</a:t>
                       </a:r>
                     </a:p>
                   </a:txBody>
@@ -25329,7 +25477,7 @@
             </a:r>
             <a:r>
               <a:rPr lang="en-US"/>
-              <a:t>………………………………………………………………………………………… 6</a:t>
+              <a:t>………………………………………………………………………………………… 8</a:t>
             </a:r>
           </a:p>
           <a:p>
@@ -25339,7 +25487,7 @@
             </a:r>
             <a:r>
               <a:rPr lang="en-US"/>
-              <a:t>………………………………………………………………………………………… 6</a:t>
+              <a:t>………………………………………………………………………………………… 10</a:t>
             </a:r>
           </a:p>
           <a:p>
@@ -25349,13 +25497,13 @@
             </a:r>
             <a:r>
               <a:rPr lang="en-US"/>
-              <a:t>………………………………………………………………………………………… 6</a:t>
+              <a:t>………………………………………………………………………………………… 12</a:t>
             </a:r>
           </a:p>
           <a:p>
             <a:r>
               <a:rPr lang="en-US"/>
-              <a:t>DEMO …..……………………………………………………………………………………………… 4</a:t>
+              <a:t>DEMO …..……………………………………………………………………………………………… 14</a:t>
             </a:r>
           </a:p>
           <a:p>
@@ -25369,7 +25517,7 @@
             </a:r>
             <a:r>
               <a:rPr lang="en-US"/>
-              <a:t>………………………………………………………………………………………… 6</a:t>
+              <a:t>………………………………………………………………………………………… 15</a:t>
             </a:r>
           </a:p>
           <a:p>
@@ -25383,7 +25531,7 @@
             </a:r>
             <a:r>
               <a:rPr lang="en-US"/>
-              <a:t>………………………………………………………………………………………… 6</a:t>
+              <a:t>………………………………………………………………………………………… 16</a:t>
             </a:r>
           </a:p>
           <a:p>
@@ -25393,7 +25541,7 @@
             </a:r>
             <a:r>
               <a:rPr lang="en-US"/>
-              <a:t>………………………………………………………………………………………… 6</a:t>
+              <a:t>………………………………………………………………………………………… 17</a:t>
             </a:r>
           </a:p>
           <a:p>
@@ -25403,19 +25551,19 @@
             </a:r>
             <a:r>
               <a:rPr lang="en-US"/>
-              <a:t>………………………………………………………………………………………… 6</a:t>
+              <a:t>………………………………………………………………………………………… 17</a:t>
             </a:r>
           </a:p>
           <a:p>
             <a:r>
               <a:rPr lang="en-US"/>
-              <a:t>Đánh giá ………………………………………………………………………………………………. 20</a:t>
+              <a:t>Đánh giá ………………………………………………………………………………………………. 18</a:t>
             </a:r>
           </a:p>
           <a:p>
             <a:r>
               <a:rPr lang="en-US"/>
-              <a:t>Thuận lợi &amp; Khó khăn …………………………………………………………………………. 21 &amp; 22</a:t>
+              <a:t>Thuận lợi &amp; Khó khăn …………………………………………………………………………. 19 &amp; 20</a:t>
             </a:r>
           </a:p>
         </p:txBody>
@@ -26003,7 +26151,7 @@
           <a:p>
             <a:r>
               <a:rPr lang="en-US"/>
-              <a:t>Trang 8</a:t>
+              <a:t>Trang 6</a:t>
             </a:r>
           </a:p>
         </p:txBody>
@@ -26220,7 +26368,7 @@
           <a:p>
             <a:r>
               <a:rPr lang="en-US"/>
-              <a:t>Trang 6</a:t>
+              <a:t>Trang 7</a:t>
             </a:r>
           </a:p>
         </p:txBody>

--- a/present/progress/presentation.pptx
+++ b/present/progress/presentation.pptx
@@ -15854,7 +15854,7 @@
           <a:p>
             <a:fld id="{51F95020-72AA-4787-B4DB-4E5B3A15E30F}" type="datetimeFigureOut">
               <a:rPr lang="en-US" smtClean="0"/>
-              <a:t>03/05/2023</a:t>
+              <a:t>5/3/2023</a:t>
             </a:fld>
             <a:endParaRPr lang="en-US"/>
           </a:p>
@@ -16247,7 +16247,7 @@
           <a:p>
             <a:fld id="{2AB4A3C8-EB3A-4B87-95B8-3265ADB47806}" type="datetimeFigureOut">
               <a:rPr lang="en-US" smtClean="0"/>
-              <a:t>03/05/2023</a:t>
+              <a:t>5/3/2023</a:t>
             </a:fld>
             <a:endParaRPr lang="en-US"/>
           </a:p>
@@ -16412,7 +16412,7 @@
           <a:p>
             <a:fld id="{2AB4A3C8-EB3A-4B87-95B8-3265ADB47806}" type="datetimeFigureOut">
               <a:rPr lang="en-US" smtClean="0"/>
-              <a:t>03/05/2023</a:t>
+              <a:t>5/3/2023</a:t>
             </a:fld>
             <a:endParaRPr lang="en-US"/>
           </a:p>
@@ -16587,7 +16587,7 @@
           <a:p>
             <a:fld id="{2AB4A3C8-EB3A-4B87-95B8-3265ADB47806}" type="datetimeFigureOut">
               <a:rPr lang="en-US" smtClean="0"/>
-              <a:t>03/05/2023</a:t>
+              <a:t>5/3/2023</a:t>
             </a:fld>
             <a:endParaRPr lang="en-US"/>
           </a:p>
@@ -16752,7 +16752,7 @@
           <a:p>
             <a:fld id="{2AB4A3C8-EB3A-4B87-95B8-3265ADB47806}" type="datetimeFigureOut">
               <a:rPr lang="en-US" smtClean="0"/>
-              <a:t>03/05/2023</a:t>
+              <a:t>5/3/2023</a:t>
             </a:fld>
             <a:endParaRPr lang="en-US"/>
           </a:p>
@@ -16991,7 +16991,7 @@
           <a:p>
             <a:fld id="{2AB4A3C8-EB3A-4B87-95B8-3265ADB47806}" type="datetimeFigureOut">
               <a:rPr lang="en-US" smtClean="0"/>
-              <a:t>03/05/2023</a:t>
+              <a:t>5/3/2023</a:t>
             </a:fld>
             <a:endParaRPr lang="en-US"/>
           </a:p>
@@ -17218,7 +17218,7 @@
           <a:p>
             <a:fld id="{2AB4A3C8-EB3A-4B87-95B8-3265ADB47806}" type="datetimeFigureOut">
               <a:rPr lang="en-US" smtClean="0"/>
-              <a:t>03/05/2023</a:t>
+              <a:t>5/3/2023</a:t>
             </a:fld>
             <a:endParaRPr lang="en-US"/>
           </a:p>
@@ -17580,7 +17580,7 @@
           <a:p>
             <a:fld id="{2AB4A3C8-EB3A-4B87-95B8-3265ADB47806}" type="datetimeFigureOut">
               <a:rPr lang="en-US" smtClean="0"/>
-              <a:t>03/05/2023</a:t>
+              <a:t>5/3/2023</a:t>
             </a:fld>
             <a:endParaRPr lang="en-US"/>
           </a:p>
@@ -17693,7 +17693,7 @@
           <a:p>
             <a:fld id="{2AB4A3C8-EB3A-4B87-95B8-3265ADB47806}" type="datetimeFigureOut">
               <a:rPr lang="en-US" smtClean="0"/>
-              <a:t>03/05/2023</a:t>
+              <a:t>5/3/2023</a:t>
             </a:fld>
             <a:endParaRPr lang="en-US"/>
           </a:p>
@@ -17783,7 +17783,7 @@
           <a:p>
             <a:fld id="{2AB4A3C8-EB3A-4B87-95B8-3265ADB47806}" type="datetimeFigureOut">
               <a:rPr lang="en-US" smtClean="0"/>
-              <a:t>03/05/2023</a:t>
+              <a:t>5/3/2023</a:t>
             </a:fld>
             <a:endParaRPr lang="en-US"/>
           </a:p>
@@ -18055,7 +18055,7 @@
           <a:p>
             <a:fld id="{2AB4A3C8-EB3A-4B87-95B8-3265ADB47806}" type="datetimeFigureOut">
               <a:rPr lang="en-US" smtClean="0"/>
-              <a:t>03/05/2023</a:t>
+              <a:t>5/3/2023</a:t>
             </a:fld>
             <a:endParaRPr lang="en-US"/>
           </a:p>
@@ -18306,7 +18306,7 @@
           <a:p>
             <a:fld id="{2AB4A3C8-EB3A-4B87-95B8-3265ADB47806}" type="datetimeFigureOut">
               <a:rPr lang="en-US" smtClean="0"/>
-              <a:t>03/05/2023</a:t>
+              <a:t>5/3/2023</a:t>
             </a:fld>
             <a:endParaRPr lang="en-US"/>
           </a:p>
@@ -18514,7 +18514,7 @@
           <a:p>
             <a:fld id="{2AB4A3C8-EB3A-4B87-95B8-3265ADB47806}" type="datetimeFigureOut">
               <a:rPr lang="en-US" smtClean="0"/>
-              <a:t>03/05/2023</a:t>
+              <a:t>5/3/2023</a:t>
             </a:fld>
             <a:endParaRPr lang="en-US"/>
           </a:p>
@@ -18923,7 +18923,7 @@
           <p:nvPr/>
         </p:nvPicPr>
         <p:blipFill>
-          <a:blip r:embed="rId2">
+          <a:blip r:embed="rId2" cstate="print">
             <a:extLst>
               <a:ext uri="{28A0092B-C50C-407E-A947-70E740481C1C}">
                 <a14:useLocalDpi xmlns:a14="http://schemas.microsoft.com/office/drawing/2010/main" val="0"/>
@@ -19935,7 +19935,7 @@
           <p:nvPr/>
         </p:nvPicPr>
         <p:blipFill>
-          <a:blip r:embed="rId2">
+          <a:blip r:embed="rId2" cstate="print">
             <a:extLst>
               <a:ext uri="{28A0092B-C50C-407E-A947-70E740481C1C}">
                 <a14:useLocalDpi xmlns:a14="http://schemas.microsoft.com/office/drawing/2010/main" val="0"/>
@@ -20182,7 +20182,7 @@
           <p:nvPr/>
         </p:nvPicPr>
         <p:blipFill>
-          <a:blip r:embed="rId2">
+          <a:blip r:embed="rId2" cstate="print">
             <a:extLst>
               <a:ext uri="{28A0092B-C50C-407E-A947-70E740481C1C}">
                 <a14:useLocalDpi xmlns:a14="http://schemas.microsoft.com/office/drawing/2010/main" val="0"/>
@@ -20374,7 +20374,7 @@
           <p:nvPr/>
         </p:nvPicPr>
         <p:blipFill>
-          <a:blip r:embed="rId2">
+          <a:blip r:embed="rId2" cstate="print">
             <a:extLst>
               <a:ext uri="{28A0092B-C50C-407E-A947-70E740481C1C}">
                 <a14:useLocalDpi xmlns:a14="http://schemas.microsoft.com/office/drawing/2010/main" val="0"/>
@@ -20623,7 +20623,7 @@
           <p:nvPr/>
         </p:nvPicPr>
         <p:blipFill>
-          <a:blip r:embed="rId2">
+          <a:blip r:embed="rId2" cstate="print">
             <a:extLst>
               <a:ext uri="{28A0092B-C50C-407E-A947-70E740481C1C}">
                 <a14:useLocalDpi xmlns:a14="http://schemas.microsoft.com/office/drawing/2010/main" val="0"/>
@@ -20815,7 +20815,7 @@
           <p:nvPr/>
         </p:nvPicPr>
         <p:blipFill>
-          <a:blip r:embed="rId2">
+          <a:blip r:embed="rId2" cstate="print">
             <a:extLst>
               <a:ext uri="{28A0092B-C50C-407E-A947-70E740481C1C}">
                 <a14:useLocalDpi xmlns:a14="http://schemas.microsoft.com/office/drawing/2010/main" val="0"/>
@@ -21068,7 +21068,7 @@
           <p:nvPr/>
         </p:nvPicPr>
         <p:blipFill>
-          <a:blip r:embed="rId2">
+          <a:blip r:embed="rId2" cstate="print">
             <a:extLst>
               <a:ext uri="{28A0092B-C50C-407E-A947-70E740481C1C}">
                 <a14:useLocalDpi xmlns:a14="http://schemas.microsoft.com/office/drawing/2010/main" val="0"/>
@@ -21260,7 +21260,7 @@
           <p:nvPr/>
         </p:nvPicPr>
         <p:blipFill>
-          <a:blip r:embed="rId2">
+          <a:blip r:embed="rId2" cstate="print">
             <a:extLst>
               <a:ext uri="{28A0092B-C50C-407E-A947-70E740481C1C}">
                 <a14:useLocalDpi xmlns:a14="http://schemas.microsoft.com/office/drawing/2010/main" val="0"/>
@@ -21550,7 +21550,7 @@
           <p:nvPr/>
         </p:nvPicPr>
         <p:blipFill>
-          <a:blip r:embed="rId2">
+          <a:blip r:embed="rId2" cstate="print">
             <a:extLst>
               <a:ext uri="{28A0092B-C50C-407E-A947-70E740481C1C}">
                 <a14:useLocalDpi xmlns:a14="http://schemas.microsoft.com/office/drawing/2010/main" val="0"/>
@@ -21870,7 +21870,7 @@
           <p:nvPr/>
         </p:nvPicPr>
         <p:blipFill>
-          <a:blip r:embed="rId2">
+          <a:blip r:embed="rId2" cstate="print">
             <a:extLst>
               <a:ext uri="{28A0092B-C50C-407E-A947-70E740481C1C}">
                 <a14:useLocalDpi xmlns:a14="http://schemas.microsoft.com/office/drawing/2010/main" val="0"/>
@@ -22160,7 +22160,7 @@
           <p:nvPr/>
         </p:nvPicPr>
         <p:blipFill>
-          <a:blip r:embed="rId2">
+          <a:blip r:embed="rId2" cstate="print">
             <a:extLst>
               <a:ext uri="{28A0092B-C50C-407E-A947-70E740481C1C}">
                 <a14:useLocalDpi xmlns:a14="http://schemas.microsoft.com/office/drawing/2010/main" val="0"/>
@@ -22566,7 +22566,7 @@
           <p:nvPr/>
         </p:nvPicPr>
         <p:blipFill>
-          <a:blip r:embed="rId2">
+          <a:blip r:embed="rId2" cstate="print">
             <a:extLst>
               <a:ext uri="{28A0092B-C50C-407E-A947-70E740481C1C}">
                 <a14:useLocalDpi xmlns:a14="http://schemas.microsoft.com/office/drawing/2010/main" val="0"/>
@@ -22663,11 +22663,17 @@
           <p:cNvGraphicFramePr>
             <a:graphicFrameLocks noGrp="1"/>
           </p:cNvGraphicFramePr>
-          <p:nvPr/>
+          <p:nvPr>
+            <p:extLst>
+              <p:ext uri="{D42A27DB-BD31-4B8C-83A1-F6EECF244321}">
+                <p14:modId xmlns:p14="http://schemas.microsoft.com/office/powerpoint/2010/main" val="3516446160"/>
+              </p:ext>
+            </p:extLst>
+          </p:nvPr>
         </p:nvGraphicFramePr>
         <p:xfrm>
           <a:off x="626268" y="1383568"/>
-          <a:ext cx="7891464" cy="2595880"/>
+          <a:ext cx="7891464" cy="2199640"/>
         </p:xfrm>
         <a:graphic>
           <a:graphicData uri="http://schemas.openxmlformats.org/drawingml/2006/table">
@@ -22729,10 +22735,26 @@
                     <a:bodyPr/>
                     <a:lstStyle/>
                     <a:p>
-                      <a:pPr algn="ctr"/>
+                      <a:pPr marL="0" marR="0" lvl="0" indent="0" algn="ctr" defTabSz="914400" rtl="0" eaLnBrk="1" fontAlgn="auto" latinLnBrk="0" hangingPunct="1">
+                        <a:lnSpc>
+                          <a:spcPct val="100000"/>
+                        </a:lnSpc>
+                        <a:spcBef>
+                          <a:spcPts val="0"/>
+                        </a:spcBef>
+                        <a:spcAft>
+                          <a:spcPts val="0"/>
+                        </a:spcAft>
+                        <a:buClrTx/>
+                        <a:buSzTx/>
+                        <a:buFontTx/>
+                        <a:buNone/>
+                        <a:tabLst/>
+                        <a:defRPr/>
+                      </a:pPr>
                       <a:r>
                         <a:rPr lang="en-US"/>
-                        <a:t>Công việc</a:t>
+                        <a:t>Người thực hiện</a:t>
                       </a:r>
                       <a:endParaRPr lang="en-US">
                         <a:latin typeface="Times New Roman" panose="02020603050405020304" pitchFamily="18" charset="0"/>
@@ -22747,10 +22769,26 @@
                     <a:bodyPr/>
                     <a:lstStyle/>
                     <a:p>
-                      <a:pPr algn="ctr"/>
+                      <a:pPr marL="0" marR="0" lvl="0" indent="0" algn="ctr" defTabSz="914400" rtl="0" eaLnBrk="1" fontAlgn="auto" latinLnBrk="0" hangingPunct="1">
+                        <a:lnSpc>
+                          <a:spcPct val="100000"/>
+                        </a:lnSpc>
+                        <a:spcBef>
+                          <a:spcPts val="0"/>
+                        </a:spcBef>
+                        <a:spcAft>
+                          <a:spcPts val="0"/>
+                        </a:spcAft>
+                        <a:buClrTx/>
+                        <a:buSzTx/>
+                        <a:buFontTx/>
+                        <a:buNone/>
+                        <a:tabLst/>
+                        <a:defRPr/>
+                      </a:pPr>
                       <a:r>
                         <a:rPr lang="en-US"/>
-                        <a:t>Người thực hiện</a:t>
+                        <a:t>Công việc</a:t>
                       </a:r>
                       <a:endParaRPr lang="en-US">
                         <a:latin typeface="Times New Roman" panose="02020603050405020304" pitchFamily="18" charset="0"/>
@@ -22811,7 +22849,50 @@
                           <a:latin typeface="Times New Roman" panose="02020603050405020304" pitchFamily="18" charset="0"/>
                           <a:cs typeface="Times New Roman" panose="02020603050405020304" pitchFamily="18" charset="0"/>
                         </a:rPr>
-                        <a:t>Câu 1</a:t>
+                        <a:t>Nguyễn Trung Nghĩa</a:t>
+                      </a:r>
+                    </a:p>
+                  </a:txBody>
+                  <a:tcPr/>
+                </a:tc>
+                <a:tc>
+                  <a:txBody>
+                    <a:bodyPr/>
+                    <a:lstStyle/>
+                    <a:p>
+                      <a:pPr algn="l"/>
+                      <a:r>
+                        <a:rPr lang="en-US">
+                          <a:latin typeface="Times New Roman" panose="02020603050405020304" pitchFamily="18" charset="0"/>
+                          <a:cs typeface="Times New Roman" panose="02020603050405020304" pitchFamily="18" charset="0"/>
+                        </a:rPr>
+                        <a:t>- Thực hiện đọc file</a:t>
+                      </a:r>
+                    </a:p>
+                    <a:p>
+                      <a:pPr marL="0" indent="0" algn="l">
+                        <a:buFontTx/>
+                        <a:buNone/>
+                      </a:pPr>
+                      <a:r>
+                        <a:rPr lang="en-US">
+                          <a:latin typeface="Times New Roman" panose="02020603050405020304" pitchFamily="18" charset="0"/>
+                          <a:cs typeface="Times New Roman" panose="02020603050405020304" pitchFamily="18" charset="0"/>
+                        </a:rPr>
+                        <a:t>- Vẽ ma trận</a:t>
+                      </a:r>
+                    </a:p>
+                    <a:p>
+                      <a:pPr marL="0" indent="0" algn="l">
+                        <a:buFontTx/>
+                        <a:buNone/>
+                      </a:pPr>
+                      <a:r>
+                        <a:rPr lang="en-US">
+                          <a:latin typeface="Times New Roman" panose="02020603050405020304" pitchFamily="18" charset="0"/>
+                          <a:cs typeface="Times New Roman" panose="02020603050405020304" pitchFamily="18" charset="0"/>
+                        </a:rPr>
+                        <a:t>- Thực hiện tô màu cho ma trận</a:t>
                       </a:r>
                     </a:p>
                   </a:txBody>
@@ -22828,24 +22909,7 @@
                           <a:latin typeface="Times New Roman" panose="02020603050405020304" pitchFamily="18" charset="0"/>
                           <a:cs typeface="Times New Roman" panose="02020603050405020304" pitchFamily="18" charset="0"/>
                         </a:rPr>
-                        <a:t>Nguyễn Trung Nghĩa</a:t>
-                      </a:r>
-                    </a:p>
-                  </a:txBody>
-                  <a:tcPr/>
-                </a:tc>
-                <a:tc>
-                  <a:txBody>
-                    <a:bodyPr/>
-                    <a:lstStyle/>
-                    <a:p>
-                      <a:pPr algn="ctr"/>
-                      <a:r>
-                        <a:rPr lang="en-US">
-                          <a:latin typeface="Times New Roman" panose="02020603050405020304" pitchFamily="18" charset="0"/>
-                          <a:cs typeface="Times New Roman" panose="02020603050405020304" pitchFamily="18" charset="0"/>
-                        </a:rPr>
-                        <a:t>Hoàn thành</a:t>
+                        <a:t>Tương đối hoàn thành</a:t>
                       </a:r>
                     </a:p>
                   </a:txBody>
@@ -22885,7 +22949,7 @@
                           <a:latin typeface="Times New Roman" panose="02020603050405020304" pitchFamily="18" charset="0"/>
                           <a:cs typeface="Times New Roman" panose="02020603050405020304" pitchFamily="18" charset="0"/>
                         </a:rPr>
-                        <a:t>Câu 2</a:t>
+                        <a:t>Trần Đình Phúc</a:t>
                       </a:r>
                     </a:p>
                   </a:txBody>
@@ -22896,13 +22960,29 @@
                     <a:bodyPr/>
                     <a:lstStyle/>
                     <a:p>
-                      <a:pPr algn="ctr"/>
+                      <a:pPr marL="0" indent="0" algn="l">
+                        <a:buFontTx/>
+                        <a:buNone/>
+                      </a:pPr>
                       <a:r>
                         <a:rPr lang="en-US">
                           <a:latin typeface="Times New Roman" panose="02020603050405020304" pitchFamily="18" charset="0"/>
                           <a:cs typeface="Times New Roman" panose="02020603050405020304" pitchFamily="18" charset="0"/>
                         </a:rPr>
-                        <a:t>Trần Đình Phúc</a:t>
+                        <a:t>- Nghiên cứu quy luật</a:t>
+                      </a:r>
+                    </a:p>
+                    <a:p>
+                      <a:pPr marL="0" indent="0" algn="l">
+                        <a:buFontTx/>
+                        <a:buNone/>
+                      </a:pPr>
+                      <a:r>
+                        <a:rPr lang="en-US">
+                          <a:latin typeface="Times New Roman" panose="02020603050405020304" pitchFamily="18" charset="0"/>
+                          <a:cs typeface="Times New Roman" panose="02020603050405020304" pitchFamily="18" charset="0"/>
+                        </a:rPr>
+                        <a:t>- Thực hiện tô màu cho ma trận - Làm PowerPoint</a:t>
                       </a:r>
                     </a:p>
                   </a:txBody>
@@ -22934,7 +23014,7 @@
                           <a:latin typeface="Times New Roman" panose="02020603050405020304" pitchFamily="18" charset="0"/>
                           <a:cs typeface="Times New Roman" panose="02020603050405020304" pitchFamily="18" charset="0"/>
                         </a:rPr>
-                        <a:t>Hoàn thành</a:t>
+                        <a:t>Tương đối hoàn thành</a:t>
                       </a:r>
                     </a:p>
                   </a:txBody>
@@ -22943,317 +23023,6 @@
                 <a:extLst>
                   <a:ext uri="{0D108BD9-81ED-4DB2-BD59-A6C34878D82A}">
                     <a16:rowId xmlns:a16="http://schemas.microsoft.com/office/drawing/2014/main" val="10002"/>
-                  </a:ext>
-                </a:extLst>
-              </a:tr>
-              <a:tr h="370840">
-                <a:tc>
-                  <a:txBody>
-                    <a:bodyPr/>
-                    <a:lstStyle/>
-                    <a:p>
-                      <a:pPr algn="ctr"/>
-                      <a:r>
-                        <a:rPr lang="en-US">
-                          <a:latin typeface="Times New Roman" panose="02020603050405020304" pitchFamily="18" charset="0"/>
-                          <a:cs typeface="Times New Roman" panose="02020603050405020304" pitchFamily="18" charset="0"/>
-                        </a:rPr>
-                        <a:t>3</a:t>
-                      </a:r>
-                    </a:p>
-                  </a:txBody>
-                  <a:tcPr/>
-                </a:tc>
-                <a:tc>
-                  <a:txBody>
-                    <a:bodyPr/>
-                    <a:lstStyle/>
-                    <a:p>
-                      <a:r>
-                        <a:rPr lang="en-US">
-                          <a:latin typeface="Times New Roman" panose="02020603050405020304" pitchFamily="18" charset="0"/>
-                          <a:cs typeface="Times New Roman" panose="02020603050405020304" pitchFamily="18" charset="0"/>
-                        </a:rPr>
-                        <a:t>Câu 3</a:t>
-                      </a:r>
-                    </a:p>
-                  </a:txBody>
-                  <a:tcPr/>
-                </a:tc>
-                <a:tc>
-                  <a:txBody>
-                    <a:bodyPr/>
-                    <a:lstStyle/>
-                    <a:p>
-                      <a:pPr algn="ctr"/>
-                      <a:r>
-                        <a:rPr lang="en-US">
-                          <a:latin typeface="Times New Roman" panose="02020603050405020304" pitchFamily="18" charset="0"/>
-                          <a:cs typeface="Times New Roman" panose="02020603050405020304" pitchFamily="18" charset="0"/>
-                        </a:rPr>
-                        <a:t>Nguyễn Trung Nghĩa</a:t>
-                      </a:r>
-                    </a:p>
-                  </a:txBody>
-                  <a:tcPr/>
-                </a:tc>
-                <a:tc>
-                  <a:txBody>
-                    <a:bodyPr/>
-                    <a:lstStyle/>
-                    <a:p>
-                      <a:pPr marL="0" marR="0" lvl="0" indent="0" algn="ctr" defTabSz="914400" rtl="0" eaLnBrk="1" fontAlgn="auto" latinLnBrk="0" hangingPunct="1">
-                        <a:lnSpc>
-                          <a:spcPct val="100000"/>
-                        </a:lnSpc>
-                        <a:spcBef>
-                          <a:spcPts val="0"/>
-                        </a:spcBef>
-                        <a:spcAft>
-                          <a:spcPts val="0"/>
-                        </a:spcAft>
-                        <a:buClrTx/>
-                        <a:buSzTx/>
-                        <a:buFontTx/>
-                        <a:buNone/>
-                        <a:defRPr/>
-                      </a:pPr>
-                      <a:r>
-                        <a:rPr lang="en-US">
-                          <a:latin typeface="Times New Roman" panose="02020603050405020304" pitchFamily="18" charset="0"/>
-                          <a:cs typeface="Times New Roman" panose="02020603050405020304" pitchFamily="18" charset="0"/>
-                        </a:rPr>
-                        <a:t>Hoàn thành</a:t>
-                      </a:r>
-                    </a:p>
-                  </a:txBody>
-                  <a:tcPr/>
-                </a:tc>
-                <a:extLst>
-                  <a:ext uri="{0D108BD9-81ED-4DB2-BD59-A6C34878D82A}">
-                    <a16:rowId xmlns:a16="http://schemas.microsoft.com/office/drawing/2014/main" val="10003"/>
-                  </a:ext>
-                </a:extLst>
-              </a:tr>
-              <a:tr h="370840">
-                <a:tc>
-                  <a:txBody>
-                    <a:bodyPr/>
-                    <a:lstStyle/>
-                    <a:p>
-                      <a:pPr algn="ctr"/>
-                      <a:r>
-                        <a:rPr lang="en-US">
-                          <a:latin typeface="Times New Roman" panose="02020603050405020304" pitchFamily="18" charset="0"/>
-                          <a:cs typeface="Times New Roman" panose="02020603050405020304" pitchFamily="18" charset="0"/>
-                        </a:rPr>
-                        <a:t>4</a:t>
-                      </a:r>
-                    </a:p>
-                  </a:txBody>
-                  <a:tcPr/>
-                </a:tc>
-                <a:tc>
-                  <a:txBody>
-                    <a:bodyPr/>
-                    <a:lstStyle/>
-                    <a:p>
-                      <a:r>
-                        <a:rPr lang="en-US">
-                          <a:latin typeface="Times New Roman" panose="02020603050405020304" pitchFamily="18" charset="0"/>
-                          <a:cs typeface="Times New Roman" panose="02020603050405020304" pitchFamily="18" charset="0"/>
-                        </a:rPr>
-                        <a:t>Câu 4</a:t>
-                      </a:r>
-                    </a:p>
-                  </a:txBody>
-                  <a:tcPr/>
-                </a:tc>
-                <a:tc>
-                  <a:txBody>
-                    <a:bodyPr/>
-                    <a:lstStyle/>
-                    <a:p>
-                      <a:pPr algn="ctr"/>
-                      <a:r>
-                        <a:rPr lang="en-US">
-                          <a:latin typeface="Times New Roman" panose="02020603050405020304" pitchFamily="18" charset="0"/>
-                          <a:cs typeface="Times New Roman" panose="02020603050405020304" pitchFamily="18" charset="0"/>
-                        </a:rPr>
-                        <a:t>Hồ Thịnh Phát</a:t>
-                      </a:r>
-                    </a:p>
-                  </a:txBody>
-                  <a:tcPr/>
-                </a:tc>
-                <a:tc>
-                  <a:txBody>
-                    <a:bodyPr/>
-                    <a:lstStyle/>
-                    <a:p>
-                      <a:pPr algn="ctr"/>
-                      <a:r>
-                        <a:rPr lang="en-US">
-                          <a:latin typeface="Times New Roman" panose="02020603050405020304" pitchFamily="18" charset="0"/>
-                          <a:cs typeface="Times New Roman" panose="02020603050405020304" pitchFamily="18" charset="0"/>
-                        </a:rPr>
-                        <a:t>Hoàn thành</a:t>
-                      </a:r>
-                    </a:p>
-                  </a:txBody>
-                  <a:tcPr/>
-                </a:tc>
-                <a:extLst>
-                  <a:ext uri="{0D108BD9-81ED-4DB2-BD59-A6C34878D82A}">
-                    <a16:rowId xmlns:a16="http://schemas.microsoft.com/office/drawing/2014/main" val="10004"/>
-                  </a:ext>
-                </a:extLst>
-              </a:tr>
-              <a:tr h="370840">
-                <a:tc>
-                  <a:txBody>
-                    <a:bodyPr/>
-                    <a:lstStyle/>
-                    <a:p>
-                      <a:pPr algn="ctr"/>
-                      <a:r>
-                        <a:rPr lang="en-US">
-                          <a:latin typeface="Times New Roman" panose="02020603050405020304" pitchFamily="18" charset="0"/>
-                          <a:cs typeface="Times New Roman" panose="02020603050405020304" pitchFamily="18" charset="0"/>
-                        </a:rPr>
-                        <a:t>5</a:t>
-                      </a:r>
-                    </a:p>
-                  </a:txBody>
-                  <a:tcPr/>
-                </a:tc>
-                <a:tc>
-                  <a:txBody>
-                    <a:bodyPr/>
-                    <a:lstStyle/>
-                    <a:p>
-                      <a:r>
-                        <a:rPr lang="en-US">
-                          <a:latin typeface="Times New Roman" panose="02020603050405020304" pitchFamily="18" charset="0"/>
-                          <a:cs typeface="Times New Roman" panose="02020603050405020304" pitchFamily="18" charset="0"/>
-                        </a:rPr>
-                        <a:t>Câu 5</a:t>
-                      </a:r>
-                    </a:p>
-                  </a:txBody>
-                  <a:tcPr/>
-                </a:tc>
-                <a:tc>
-                  <a:txBody>
-                    <a:bodyPr/>
-                    <a:lstStyle/>
-                    <a:p>
-                      <a:pPr algn="ctr"/>
-                      <a:r>
-                        <a:rPr lang="en-US">
-                          <a:latin typeface="Times New Roman" panose="02020603050405020304" pitchFamily="18" charset="0"/>
-                          <a:cs typeface="Times New Roman" panose="02020603050405020304" pitchFamily="18" charset="0"/>
-                        </a:rPr>
-                        <a:t>Hồ Thịnh Phát</a:t>
-                      </a:r>
-                    </a:p>
-                  </a:txBody>
-                  <a:tcPr/>
-                </a:tc>
-                <a:tc>
-                  <a:txBody>
-                    <a:bodyPr/>
-                    <a:lstStyle/>
-                    <a:p>
-                      <a:pPr algn="ctr"/>
-                      <a:r>
-                        <a:rPr lang="en-US">
-                          <a:latin typeface="Times New Roman" panose="02020603050405020304" pitchFamily="18" charset="0"/>
-                          <a:cs typeface="Times New Roman" panose="02020603050405020304" pitchFamily="18" charset="0"/>
-                        </a:rPr>
-                        <a:t>Hoàn thành</a:t>
-                      </a:r>
-                    </a:p>
-                  </a:txBody>
-                  <a:tcPr/>
-                </a:tc>
-                <a:extLst>
-                  <a:ext uri="{0D108BD9-81ED-4DB2-BD59-A6C34878D82A}">
-                    <a16:rowId xmlns:a16="http://schemas.microsoft.com/office/drawing/2014/main" val="10005"/>
-                  </a:ext>
-                </a:extLst>
-              </a:tr>
-              <a:tr h="370840">
-                <a:tc>
-                  <a:txBody>
-                    <a:bodyPr/>
-                    <a:lstStyle/>
-                    <a:p>
-                      <a:pPr algn="ctr"/>
-                      <a:r>
-                        <a:rPr lang="en-US">
-                          <a:latin typeface="Times New Roman" panose="02020603050405020304" pitchFamily="18" charset="0"/>
-                          <a:cs typeface="Times New Roman" panose="02020603050405020304" pitchFamily="18" charset="0"/>
-                        </a:rPr>
-                        <a:t>6</a:t>
-                      </a:r>
-                    </a:p>
-                  </a:txBody>
-                  <a:tcPr/>
-                </a:tc>
-                <a:tc>
-                  <a:txBody>
-                    <a:bodyPr/>
-                    <a:lstStyle/>
-                    <a:p>
-                      <a:r>
-                        <a:rPr lang="en-US">
-                          <a:latin typeface="Times New Roman" panose="02020603050405020304" pitchFamily="18" charset="0"/>
-                          <a:cs typeface="Times New Roman" panose="02020603050405020304" pitchFamily="18" charset="0"/>
-                        </a:rPr>
-                        <a:t>Kiểm thử, chỉnh sửa lại</a:t>
-                      </a:r>
-                    </a:p>
-                  </a:txBody>
-                  <a:tcPr/>
-                </a:tc>
-                <a:tc>
-                  <a:txBody>
-                    <a:bodyPr/>
-                    <a:lstStyle/>
-                    <a:p>
-                      <a:pPr algn="ctr"/>
-                      <a:r>
-                        <a:rPr lang="en-US">
-                          <a:latin typeface="Times New Roman" panose="02020603050405020304" pitchFamily="18" charset="0"/>
-                          <a:cs typeface="Times New Roman" panose="02020603050405020304" pitchFamily="18" charset="0"/>
-                        </a:rPr>
-                        <a:t>Trần Đình Phúc</a:t>
-                      </a:r>
-                    </a:p>
-                  </a:txBody>
-                  <a:tcPr/>
-                </a:tc>
-                <a:tc>
-                  <a:txBody>
-                    <a:bodyPr/>
-                    <a:lstStyle/>
-                    <a:p>
-                      <a:pPr algn="ctr"/>
-                      <a:r>
-                        <a:rPr lang="en-US">
-                          <a:latin typeface="Times New Roman" panose="02020603050405020304" pitchFamily="18" charset="0"/>
-                          <a:cs typeface="Times New Roman" panose="02020603050405020304" pitchFamily="18" charset="0"/>
-                        </a:rPr>
-                        <a:t>Hoàn thành</a:t>
-                      </a:r>
-                    </a:p>
-                  </a:txBody>
-                  <a:tcPr/>
-                </a:tc>
-                <a:extLst>
-                  <a:ext uri="{0D108BD9-81ED-4DB2-BD59-A6C34878D82A}">
-                    <a16:rowId xmlns:a16="http://schemas.microsoft.com/office/drawing/2014/main" val="10006"/>
                   </a:ext>
                 </a:extLst>
               </a:tr>
@@ -23354,7 +23123,7 @@
           <p:nvPr/>
         </p:nvPicPr>
         <p:blipFill>
-          <a:blip r:embed="rId2">
+          <a:blip r:embed="rId2" cstate="print">
             <a:extLst>
               <a:ext uri="{28A0092B-C50C-407E-A947-70E740481C1C}">
                 <a14:useLocalDpi xmlns:a14="http://schemas.microsoft.com/office/drawing/2010/main" val="0"/>
@@ -23688,7 +23457,7 @@
           <p:nvPr/>
         </p:nvPicPr>
         <p:blipFill>
-          <a:blip r:embed="rId2">
+          <a:blip r:embed="rId2" cstate="print">
             <a:extLst>
               <a:ext uri="{28A0092B-C50C-407E-A947-70E740481C1C}">
                 <a14:useLocalDpi xmlns:a14="http://schemas.microsoft.com/office/drawing/2010/main" val="0"/>
@@ -23876,7 +23645,7 @@
         <p:spPr>
           <a:xfrm>
             <a:off x="606152" y="1844627"/>
-            <a:ext cx="7553109" cy="3331938"/>
+            <a:ext cx="7553109" cy="2777940"/>
           </a:xfrm>
           <a:prstGeom prst="rect">
             <a:avLst/>
@@ -23952,22 +23721,6 @@
               <a:t>Lượng công việc cho từng thành viên khá lớn</a:t>
             </a:r>
           </a:p>
-          <a:p>
-            <a:pPr marL="285750" indent="-285750">
-              <a:lnSpc>
-                <a:spcPct val="200000"/>
-              </a:lnSpc>
-              <a:buFont typeface="Arial" panose="020B0604020202020204" pitchFamily="34" charset="0"/>
-              <a:buChar char="•"/>
-            </a:pPr>
-            <a:r>
-              <a:rPr lang="en-US">
-                <a:latin typeface="Times New Roman" panose="02020603050405020304" pitchFamily="18" charset="0"/>
-                <a:cs typeface="Times New Roman" panose="02020603050405020304" pitchFamily="18" charset="0"/>
-              </a:rPr>
-              <a:t>Dù khó khăn nhưng nhóm vẫn hoàn thành toàn bộ bài tập</a:t>
-            </a:r>
-          </a:p>
         </p:txBody>
       </p:sp>
     </p:spTree>
@@ -24004,7 +23757,7 @@
           <p:nvPr/>
         </p:nvPicPr>
         <p:blipFill>
-          <a:blip r:embed="rId2">
+          <a:blip r:embed="rId2" cstate="print">
             <a:extLst>
               <a:ext uri="{28A0092B-C50C-407E-A947-70E740481C1C}">
                 <a14:useLocalDpi xmlns:a14="http://schemas.microsoft.com/office/drawing/2010/main" val="0"/>
@@ -24502,7 +24255,7 @@
           <p:nvPr/>
         </p:nvPicPr>
         <p:blipFill>
-          <a:blip r:embed="rId2">
+          <a:blip r:embed="rId2" cstate="print">
             <a:extLst>
               <a:ext uri="{28A0092B-C50C-407E-A947-70E740481C1C}">
                 <a14:useLocalDpi xmlns:a14="http://schemas.microsoft.com/office/drawing/2010/main" val="0"/>
@@ -25275,7 +25028,7 @@
           <p:nvPr/>
         </p:nvPicPr>
         <p:blipFill>
-          <a:blip r:embed="rId2">
+          <a:blip r:embed="rId2" cstate="print">
             <a:extLst>
               <a:ext uri="{28A0092B-C50C-407E-A947-70E740481C1C}">
                 <a14:useLocalDpi xmlns:a14="http://schemas.microsoft.com/office/drawing/2010/main" val="0"/>
@@ -25602,7 +25355,7 @@
           <p:nvPr/>
         </p:nvPicPr>
         <p:blipFill>
-          <a:blip r:embed="rId2">
+          <a:blip r:embed="rId2" cstate="print">
             <a:extLst>
               <a:ext uri="{28A0092B-C50C-407E-A947-70E740481C1C}">
                 <a14:useLocalDpi xmlns:a14="http://schemas.microsoft.com/office/drawing/2010/main" val="0"/>
@@ -25789,7 +25542,7 @@
           <p:nvPr/>
         </p:nvPicPr>
         <p:blipFill>
-          <a:blip r:embed="rId2">
+          <a:blip r:embed="rId2" cstate="print">
             <a:extLst>
               <a:ext uri="{28A0092B-C50C-407E-A947-70E740481C1C}">
                 <a14:useLocalDpi xmlns:a14="http://schemas.microsoft.com/office/drawing/2010/main" val="0"/>
@@ -26035,7 +25788,7 @@
           <p:nvPr/>
         </p:nvPicPr>
         <p:blipFill>
-          <a:blip r:embed="rId2">
+          <a:blip r:embed="rId2" cstate="print">
             <a:extLst>
               <a:ext uri="{28A0092B-C50C-407E-A947-70E740481C1C}">
                 <a14:useLocalDpi xmlns:a14="http://schemas.microsoft.com/office/drawing/2010/main" val="0"/>
@@ -26222,7 +25975,7 @@
           <p:nvPr/>
         </p:nvPicPr>
         <p:blipFill>
-          <a:blip r:embed="rId2">
+          <a:blip r:embed="rId2" cstate="print">
             <a:extLst>
               <a:ext uri="{28A0092B-C50C-407E-A947-70E740481C1C}">
                 <a14:useLocalDpi xmlns:a14="http://schemas.microsoft.com/office/drawing/2010/main" val="0"/>
@@ -26464,7 +26217,7 @@
           <p:nvPr/>
         </p:nvPicPr>
         <p:blipFill>
-          <a:blip r:embed="rId2">
+          <a:blip r:embed="rId2" cstate="print">
             <a:extLst>
               <a:ext uri="{28A0092B-C50C-407E-A947-70E740481C1C}">
                 <a14:useLocalDpi xmlns:a14="http://schemas.microsoft.com/office/drawing/2010/main" val="0"/>
